--- a/spring13/slidesS13/bookkeeper-multinomial.pptx
+++ b/spring13/slidesS13/bookkeeper-multinomial.pptx
@@ -5,10 +5,10 @@
     <p:sldMasterId id="2147483650" r:id="rId1"/>
   </p:sldMasterIdLst>
   <p:notesMasterIdLst>
-    <p:notesMasterId r:id="rId19"/>
+    <p:notesMasterId r:id="rId18"/>
   </p:notesMasterIdLst>
   <p:handoutMasterIdLst>
-    <p:handoutMasterId r:id="rId20"/>
+    <p:handoutMasterId r:id="rId19"/>
   </p:handoutMasterIdLst>
   <p:sldIdLst>
     <p:sldId id="524" r:id="rId2"/>
@@ -27,12 +27,11 @@
     <p:sldId id="556" r:id="rId15"/>
     <p:sldId id="555" r:id="rId16"/>
     <p:sldId id="558" r:id="rId17"/>
-    <p:sldId id="559" r:id="rId18"/>
   </p:sldIdLst>
   <p:sldSz cx="9144000" cy="6858000" type="screen4x3"/>
   <p:notesSz cx="9601200" cy="7315200"/>
   <p:custDataLst>
-    <p:tags r:id="rId22"/>
+    <p:tags r:id="rId21"/>
   </p:custDataLst>
   <p:defaultTextStyle>
     <a:defPPr>
@@ -2000,185 +1999,6 @@
 </p:notes>
 </file>
 
-<file path=ppt/notesSlides/notesSlide16.xml><?xml version="1.0" encoding="utf-8"?>
-<p:notes xmlns:a="http://schemas.openxmlformats.org/drawingml/2006/main" xmlns:r="http://schemas.openxmlformats.org/officeDocument/2006/relationships" xmlns:p="http://schemas.openxmlformats.org/presentationml/2006/main">
-  <p:cSld>
-    <p:spTree>
-      <p:nvGrpSpPr>
-        <p:cNvPr id="1" name=""/>
-        <p:cNvGrpSpPr/>
-        <p:nvPr/>
-      </p:nvGrpSpPr>
-      <p:grpSpPr>
-        <a:xfrm>
-          <a:off x="0" y="0"/>
-          <a:ext cx="0" cy="0"/>
-          <a:chOff x="0" y="0"/>
-          <a:chExt cx="0" cy="0"/>
-        </a:xfrm>
-      </p:grpSpPr>
-      <p:sp>
-        <p:nvSpPr>
-          <p:cNvPr id="9" name="Rectangle 7"/>
-          <p:cNvSpPr>
-            <a:spLocks noGrp="1" noChangeArrowheads="1"/>
-          </p:cNvSpPr>
-          <p:nvPr>
-            <p:ph type="sldNum" sz="quarter" idx="5"/>
-          </p:nvPr>
-        </p:nvSpPr>
-        <p:spPr>
-          <a:ln/>
-        </p:spPr>
-        <p:txBody>
-          <a:bodyPr/>
-          <a:lstStyle/>
-          <a:p>
-            <a:pPr>
-              <a:defRPr/>
-            </a:pPr>
-            <a:r>
-              <a:rPr lang="en-US"/>
-              <a:t>‹#›</a:t>
-            </a:r>
-          </a:p>
-        </p:txBody>
-      </p:sp>
-      <p:sp>
-        <p:nvSpPr>
-          <p:cNvPr id="193538" name="Text Box 2"/>
-          <p:cNvSpPr txBox="1">
-            <a:spLocks noGrp="1" noChangeArrowheads="1"/>
-          </p:cNvSpPr>
-          <p:nvPr/>
-        </p:nvSpPr>
-        <p:spPr bwMode="auto">
-          <a:xfrm>
-            <a:off x="5442347" y="6949924"/>
-            <a:ext cx="4158853" cy="365276"/>
-          </a:xfrm>
-          <a:prstGeom prst="rect">
-            <a:avLst/>
-          </a:prstGeom>
-          <a:noFill/>
-          <a:ln w="9525">
-            <a:noFill/>
-            <a:miter lim="800000"/>
-            <a:headEnd/>
-            <a:tailEnd/>
-          </a:ln>
-        </p:spPr>
-        <p:txBody>
-          <a:bodyPr lIns="96660" tIns="48330" rIns="96660" bIns="48330" anchor="b"/>
-          <a:lstStyle/>
-          <a:p>
-            <a:pPr algn="r" defTabSz="966788" fontAlgn="base">
-              <a:spcBef>
-                <a:spcPct val="0"/>
-              </a:spcBef>
-              <a:spcAft>
-                <a:spcPct val="0"/>
-              </a:spcAft>
-            </a:pPr>
-            <a:r>
-              <a:rPr lang="en-US" sz="1300">
-                <a:latin typeface="Times New Roman" pitchFamily="18" charset="0"/>
-              </a:rPr>
-              <a:t>‹#›</a:t>
-            </a:r>
-          </a:p>
-        </p:txBody>
-      </p:sp>
-      <p:sp>
-        <p:nvSpPr>
-          <p:cNvPr id="193539" name="Text Box 3"/>
-          <p:cNvSpPr txBox="1">
-            <a:spLocks noGrp="1" noChangeArrowheads="1"/>
-          </p:cNvSpPr>
-          <p:nvPr/>
-        </p:nvSpPr>
-        <p:spPr bwMode="auto">
-          <a:xfrm>
-            <a:off x="5442347" y="6949924"/>
-            <a:ext cx="4158853" cy="365276"/>
-          </a:xfrm>
-          <a:prstGeom prst="rect">
-            <a:avLst/>
-          </a:prstGeom>
-          <a:noFill/>
-          <a:ln w="9525">
-            <a:noFill/>
-            <a:miter lim="800000"/>
-            <a:headEnd/>
-            <a:tailEnd/>
-          </a:ln>
-        </p:spPr>
-        <p:txBody>
-          <a:bodyPr lIns="96660" tIns="48330" rIns="96660" bIns="48330" anchor="b"/>
-          <a:lstStyle/>
-          <a:p>
-            <a:pPr algn="r" defTabSz="966788" fontAlgn="base">
-              <a:spcBef>
-                <a:spcPct val="0"/>
-              </a:spcBef>
-              <a:spcAft>
-                <a:spcPct val="0"/>
-              </a:spcAft>
-            </a:pPr>
-            <a:r>
-              <a:rPr lang="en-US" sz="1300">
-                <a:latin typeface="Times New Roman" pitchFamily="18" charset="0"/>
-              </a:rPr>
-              <a:t>21</a:t>
-            </a:r>
-          </a:p>
-        </p:txBody>
-      </p:sp>
-      <p:sp>
-        <p:nvSpPr>
-          <p:cNvPr id="193540" name="Rectangle 4"/>
-          <p:cNvSpPr>
-            <a:spLocks noGrp="1" noRot="1" noChangeAspect="1" noChangeArrowheads="1" noTextEdit="1"/>
-          </p:cNvSpPr>
-          <p:nvPr>
-            <p:ph type="sldImg"/>
-          </p:nvPr>
-        </p:nvSpPr>
-        <p:spPr>
-          <a:ln/>
-        </p:spPr>
-      </p:sp>
-      <p:sp>
-        <p:nvSpPr>
-          <p:cNvPr id="7173" name="Rectangle 5"/>
-          <p:cNvSpPr>
-            <a:spLocks noGrp="1" noChangeArrowheads="1"/>
-          </p:cNvSpPr>
-          <p:nvPr>
-            <p:ph type="body" idx="1"/>
-          </p:nvPr>
-        </p:nvSpPr>
-        <p:spPr>
-          <a:noFill/>
-          <a:ln/>
-        </p:spPr>
-        <p:txBody>
-          <a:bodyPr/>
-          <a:lstStyle/>
-          <a:p>
-            <a:pPr eaLnBrk="1" hangingPunct="1"/>
-            <a:endParaRPr lang="en-US"/>
-          </a:p>
-        </p:txBody>
-      </p:sp>
-    </p:spTree>
-  </p:cSld>
-  <p:clrMapOvr>
-    <a:masterClrMapping/>
-  </p:clrMapOvr>
-</p:notes>
-</file>
-
 <file path=ppt/notesSlides/notesSlide2.xml><?xml version="1.0" encoding="utf-8"?>
 <p:notes xmlns:a="http://schemas.openxmlformats.org/drawingml/2006/main" xmlns:r="http://schemas.openxmlformats.org/officeDocument/2006/relationships" xmlns:p="http://schemas.openxmlformats.org/presentationml/2006/main">
   <p:cSld>
@@ -4101,22 +3921,7 @@
                 <a:uFillTx/>
                 <a:latin typeface="Comic Sans MS" pitchFamily="66" charset="0"/>
               </a:rPr>
-              <a:t>Albert R Meyer,       April </a:t>
-            </a:r>
-            <a:r>
-              <a:rPr kumimoji="0" lang="en-US" sz="1200" b="0" i="0" u="none" strike="noStrike" kern="1200" cap="none" spc="0" normalizeH="0" baseline="0" noProof="0" dirty="0" smtClean="0">
-                <a:ln>
-                  <a:noFill/>
-                </a:ln>
-                <a:solidFill>
-                  <a:schemeClr val="tx1"/>
-                </a:solidFill>
-                <a:effectLst/>
-                <a:uLnTx/>
-                <a:uFillTx/>
-                <a:latin typeface="Comic Sans MS" pitchFamily="66" charset="0"/>
-              </a:rPr>
-              <a:t>22, 2013</a:t>
+              <a:t>Albert R Meyer,       April 22, 2013</a:t>
             </a:r>
             <a:endParaRPr kumimoji="0" lang="en-US" sz="1200" b="0" i="0" u="none" strike="noStrike" kern="1200" cap="none" spc="0" normalizeH="0" baseline="0" noProof="0" dirty="0">
               <a:ln>
@@ -5505,7 +5310,7 @@
           <a:graphicData uri="http://schemas.openxmlformats.org/presentationml/2006/ole">
             <mc:AlternateContent xmlns:mc="http://schemas.openxmlformats.org/markup-compatibility/2006">
               <mc:Choice xmlns:v="urn:schemas-microsoft-com:vml" Requires="v">
-                <p:oleObj spid="_x0000_s134171" name="Equation" r:id="rId4" imgW="545760" imgH="457200" progId="Equation.3">
+                <p:oleObj spid="_x0000_s134173" name="Equation" r:id="rId4" imgW="545760" imgH="457200" progId="Equation.3">
                   <p:embed/>
                 </p:oleObj>
               </mc:Choice>
@@ -6335,7 +6140,7 @@
           <a:graphicData uri="http://schemas.openxmlformats.org/presentationml/2006/ole">
             <mc:AlternateContent xmlns:mc="http://schemas.openxmlformats.org/markup-compatibility/2006">
               <mc:Choice xmlns:v="urn:schemas-microsoft-com:vml" Requires="v">
-                <p:oleObj spid="_x0000_s1025" name="Equation" r:id="rId3" imgW="787400" imgH="533400" progId="Equation.DSMT4">
+                <p:oleObj spid="_x0000_s1027" name="Equation" r:id="rId3" imgW="787400" imgH="533400" progId="Equation.DSMT4">
                   <p:embed/>
                 </p:oleObj>
               </mc:Choice>
@@ -6631,7 +6436,7 @@
           <a:graphicData uri="http://schemas.openxmlformats.org/presentationml/2006/ole">
             <mc:AlternateContent xmlns:mc="http://schemas.openxmlformats.org/markup-compatibility/2006">
               <mc:Choice xmlns:v="urn:schemas-microsoft-com:vml" Requires="v">
-                <p:oleObj spid="_x0000_s135220" name="Equation" r:id="rId4" imgW="977900" imgH="266700" progId="Equation.DSMT4">
+                <p:oleObj spid="_x0000_s135223" name="Equation" r:id="rId4" imgW="977900" imgH="266700" progId="Equation.DSMT4">
                   <p:embed/>
                 </p:oleObj>
               </mc:Choice>
@@ -6701,7 +6506,7 @@
           <a:graphicData uri="http://schemas.openxmlformats.org/presentationml/2006/ole">
             <mc:AlternateContent xmlns:mc="http://schemas.openxmlformats.org/markup-compatibility/2006">
               <mc:Choice xmlns:v="urn:schemas-microsoft-com:vml" Requires="v">
-                <p:oleObj spid="_x0000_s135221" name="Equation" r:id="rId6" imgW="965200" imgH="495300" progId="Equation.DSMT4">
+                <p:oleObj spid="_x0000_s135224" name="Equation" r:id="rId6" imgW="965200" imgH="495300" progId="Equation.DSMT4">
                   <p:embed/>
                 </p:oleObj>
               </mc:Choice>
@@ -7314,7 +7119,7 @@
           <a:graphicData uri="http://schemas.openxmlformats.org/presentationml/2006/ole">
             <mc:AlternateContent xmlns:mc="http://schemas.openxmlformats.org/markup-compatibility/2006">
               <mc:Choice xmlns:v="urn:schemas-microsoft-com:vml" Requires="v">
-                <p:oleObj spid="_x0000_s137248" name="Equation" r:id="rId4" imgW="1866900" imgH="469900" progId="Equation.DSMT4">
+                <p:oleObj spid="_x0000_s137251" name="Equation" r:id="rId4" imgW="1866900" imgH="469900" progId="Equation.DSMT4">
                   <p:embed/>
                 </p:oleObj>
               </mc:Choice>
@@ -7410,7 +7215,7 @@
           <a:graphicData uri="http://schemas.openxmlformats.org/presentationml/2006/ole">
             <mc:AlternateContent xmlns:mc="http://schemas.openxmlformats.org/markup-compatibility/2006">
               <mc:Choice xmlns:v="urn:schemas-microsoft-com:vml" Requires="v">
-                <p:oleObj spid="_x0000_s137249" name="Equation" r:id="rId6" imgW="2743200" imgH="609600" progId="Equation.DSMT4">
+                <p:oleObj spid="_x0000_s137252" name="Equation" r:id="rId6" imgW="2743200" imgH="609600" progId="Equation.DSMT4">
                   <p:embed/>
                 </p:oleObj>
               </mc:Choice>
@@ -7800,7 +7605,7 @@
           <a:graphicData uri="http://schemas.openxmlformats.org/presentationml/2006/ole">
             <mc:AlternateContent xmlns:mc="http://schemas.openxmlformats.org/markup-compatibility/2006">
               <mc:Choice xmlns:v="urn:schemas-microsoft-com:vml" Requires="v">
-                <p:oleObj spid="_x0000_s136240" name="Equation" r:id="rId4" imgW="965200" imgH="495300" progId="Equation.DSMT4">
+                <p:oleObj spid="_x0000_s136243" name="Equation" r:id="rId4" imgW="965200" imgH="495300" progId="Equation.DSMT4">
                   <p:embed/>
                 </p:oleObj>
               </mc:Choice>
@@ -7865,7 +7670,7 @@
           <a:graphicData uri="http://schemas.openxmlformats.org/presentationml/2006/ole">
             <mc:AlternateContent xmlns:mc="http://schemas.openxmlformats.org/markup-compatibility/2006">
               <mc:Choice xmlns:v="urn:schemas-microsoft-com:vml" Requires="v">
-                <p:oleObj spid="_x0000_s136241" name="Equation" r:id="rId6" imgW="2044700" imgH="279400" progId="Equation.DSMT4">
+                <p:oleObj spid="_x0000_s136244" name="Equation" r:id="rId6" imgW="2044700" imgH="279400" progId="Equation.DSMT4">
                   <p:embed/>
                 </p:oleObj>
               </mc:Choice>
@@ -11313,175 +11118,6 @@
 </p:sld>
 </file>
 
-<file path=ppt/slides/slide17.xml><?xml version="1.0" encoding="utf-8"?>
-<p:sld xmlns:a="http://schemas.openxmlformats.org/drawingml/2006/main" xmlns:r="http://schemas.openxmlformats.org/officeDocument/2006/relationships" xmlns:p="http://schemas.openxmlformats.org/presentationml/2006/main">
-  <p:cSld>
-    <p:spTree>
-      <p:nvGrpSpPr>
-        <p:cNvPr id="1" name=""/>
-        <p:cNvGrpSpPr/>
-        <p:nvPr/>
-      </p:nvGrpSpPr>
-      <p:grpSpPr>
-        <a:xfrm>
-          <a:off x="0" y="0"/>
-          <a:ext cx="0" cy="0"/>
-          <a:chOff x="0" y="0"/>
-          <a:chExt cx="0" cy="0"/>
-        </a:xfrm>
-      </p:grpSpPr>
-      <p:sp>
-        <p:nvSpPr>
-          <p:cNvPr id="169987" name="Rectangle 3"/>
-          <p:cNvSpPr>
-            <a:spLocks noGrp="1" noChangeArrowheads="1"/>
-          </p:cNvSpPr>
-          <p:nvPr>
-            <p:ph type="body" idx="4294967295"/>
-          </p:nvPr>
-        </p:nvSpPr>
-        <p:spPr>
-          <a:xfrm>
-            <a:off x="685800" y="1676400"/>
-            <a:ext cx="7772400" cy="2590800"/>
-          </a:xfrm>
-        </p:spPr>
-        <p:txBody>
-          <a:bodyPr/>
-          <a:lstStyle/>
-          <a:p>
-            <a:pPr>
-              <a:spcBef>
-                <a:spcPct val="0"/>
-              </a:spcBef>
-              <a:buFontTx/>
-              <a:buNone/>
-            </a:pPr>
-            <a:r>
-              <a:rPr lang="en-US" sz="2400" dirty="0"/>
-              <a:t>Preceding </a:t>
-            </a:r>
-            <a:r>
-              <a:rPr lang="en-US" sz="2400" dirty="0" smtClean="0"/>
-              <a:t>slides </a:t>
-            </a:r>
-            <a:r>
-              <a:rPr lang="en-US" sz="2400" dirty="0"/>
-              <a:t>adapted from:</a:t>
-            </a:r>
-          </a:p>
-          <a:p>
-            <a:pPr eaLnBrk="1" hangingPunct="1">
-              <a:lnSpc>
-                <a:spcPct val="150000"/>
-              </a:lnSpc>
-            </a:pPr>
-            <a:r>
-              <a:rPr lang="en-US" sz="2400" i="1" dirty="0"/>
-              <a:t>Great Theoretical Ideas In Computer Science</a:t>
-            </a:r>
-          </a:p>
-          <a:p>
-            <a:pPr eaLnBrk="1" hangingPunct="1">
-              <a:buFontTx/>
-              <a:buNone/>
-            </a:pPr>
-            <a:r>
-              <a:rPr lang="en-US" sz="2400" dirty="0"/>
-              <a:t>      Carnegie Mellon Univ., CS 15-251, Spring 2004</a:t>
-            </a:r>
-          </a:p>
-          <a:p>
-            <a:pPr eaLnBrk="1" hangingPunct="1">
-              <a:buFontTx/>
-              <a:buNone/>
-            </a:pPr>
-            <a:r>
-              <a:rPr lang="en-US" sz="2400" dirty="0"/>
-              <a:t>       Lecture 10	Feb 12, 2004 by Steven </a:t>
-            </a:r>
-            <a:r>
-              <a:rPr lang="en-US" sz="2400" dirty="0" err="1"/>
-              <a:t>Rudich</a:t>
-            </a:r>
-            <a:endParaRPr lang="en-US" sz="2400" dirty="0"/>
-          </a:p>
-          <a:p>
-            <a:pPr eaLnBrk="1" hangingPunct="1">
-              <a:lnSpc>
-                <a:spcPct val="150000"/>
-              </a:lnSpc>
-            </a:pPr>
-            <a:r>
-              <a:rPr lang="en-US" sz="2400" i="1" dirty="0"/>
-              <a:t>Applied </a:t>
-            </a:r>
-            <a:r>
-              <a:rPr lang="en-US" sz="2400" i="1" dirty="0" err="1"/>
-              <a:t>Combinatorics</a:t>
-            </a:r>
-            <a:r>
-              <a:rPr lang="en-US" sz="2400" dirty="0"/>
-              <a:t>, by Alan Tucker</a:t>
-            </a:r>
-          </a:p>
-        </p:txBody>
-      </p:sp>
-      <p:sp>
-        <p:nvSpPr>
-          <p:cNvPr id="4" name="Slide Number Placeholder 4"/>
-          <p:cNvSpPr>
-            <a:spLocks noGrp="1"/>
-          </p:cNvSpPr>
-          <p:nvPr>
-            <p:ph type="sldNum" sz="quarter" idx="10"/>
-          </p:nvPr>
-        </p:nvSpPr>
-        <p:spPr>
-          <a:xfrm>
-            <a:off x="6400800" y="6613525"/>
-            <a:ext cx="2667000" cy="261938"/>
-          </a:xfrm>
-          <a:noFill/>
-        </p:spPr>
-        <p:txBody>
-          <a:bodyPr/>
-          <a:lstStyle/>
-          <a:p>
-            <a:r>
-              <a:rPr lang="en-US" dirty="0" smtClean="0"/>
-              <a:t>bookkeeper.</a:t>
-            </a:r>
-            <a:fld id="{67B4AFCC-5E15-4E97-9BE8-9E5193C2354C}" type="slidenum">
-              <a:rPr lang="en-US" smtClean="0"/>
-              <a:pPr/>
-              <a:t>17</a:t>
-            </a:fld>
-            <a:endParaRPr lang="en-US" dirty="0" smtClean="0"/>
-          </a:p>
-        </p:txBody>
-      </p:sp>
-    </p:spTree>
-    <p:extLst>
-      <p:ext uri="{BB962C8B-B14F-4D97-AF65-F5344CB8AC3E}">
-        <p14:creationId xmlns:p14="http://schemas.microsoft.com/office/powerpoint/2010/main" val="3094221690"/>
-      </p:ext>
-    </p:extLst>
-  </p:cSld>
-  <p:clrMapOvr>
-    <a:masterClrMapping/>
-  </p:clrMapOvr>
-  <p:transition xmlns:p14="http://schemas.microsoft.com/office/powerpoint/2010/main"/>
-  <p:timing>
-    <p:tnLst>
-      <p:par>
-        <p:cTn xmlns:p14="http://schemas.microsoft.com/office/powerpoint/2010/main" id="1" dur="indefinite" restart="never" nodeType="tmRoot"/>
-      </p:par>
-    </p:tnLst>
-  </p:timing>
-</p:sld>
-</file>
-
 <file path=ppt/slides/slide2.xml><?xml version="1.0" encoding="utf-8"?>
 <p:sld xmlns:a="http://schemas.openxmlformats.org/drawingml/2006/main" xmlns:r="http://schemas.openxmlformats.org/officeDocument/2006/relationships" xmlns:p="http://schemas.openxmlformats.org/presentationml/2006/main">
   <p:cSld>
@@ -12065,7 +11701,7 @@
           <a:graphicData uri="http://schemas.openxmlformats.org/presentationml/2006/ole">
             <mc:AlternateContent xmlns:mc="http://schemas.openxmlformats.org/markup-compatibility/2006">
               <mc:Choice xmlns:v="urn:schemas-microsoft-com:vml" Requires="v">
-                <p:oleObj spid="_x0000_s139282" name="Equation" r:id="rId4" imgW="495300" imgH="482600" progId="Equation.DSMT4">
+                <p:oleObj spid="_x0000_s139284" name="Equation" r:id="rId4" imgW="495300" imgH="482600" progId="Equation.DSMT4">
                   <p:embed/>
                 </p:oleObj>
               </mc:Choice>
@@ -12945,7 +12581,7 @@
           <a:graphicData uri="http://schemas.openxmlformats.org/presentationml/2006/ole">
             <mc:AlternateContent xmlns:mc="http://schemas.openxmlformats.org/markup-compatibility/2006">
               <mc:Choice xmlns:v="urn:schemas-microsoft-com:vml" Requires="v">
-                <p:oleObj spid="_x0000_s140317" name="Equation" r:id="rId4" imgW="723900" imgH="533400" progId="Equation.3">
+                <p:oleObj spid="_x0000_s140320" name="Equation" r:id="rId4" imgW="723900" imgH="533400" progId="Equation.3">
                   <p:embed/>
                 </p:oleObj>
               </mc:Choice>
@@ -13015,7 +12651,7 @@
           <a:graphicData uri="http://schemas.openxmlformats.org/presentationml/2006/ole">
             <mc:AlternateContent xmlns:mc="http://schemas.openxmlformats.org/markup-compatibility/2006">
               <mc:Choice xmlns:v="urn:schemas-microsoft-com:vml" Requires="v">
-                <p:oleObj spid="_x0000_s140318" name="Equation" r:id="rId6" imgW="1130300" imgH="558800" progId="Equation.3">
+                <p:oleObj spid="_x0000_s140321" name="Equation" r:id="rId6" imgW="1130300" imgH="558800" progId="Equation.3">
                   <p:embed/>
                 </p:oleObj>
               </mc:Choice>
@@ -13527,7 +13163,7 @@
           <a:graphicData uri="http://schemas.openxmlformats.org/presentationml/2006/ole">
             <mc:AlternateContent xmlns:mc="http://schemas.openxmlformats.org/markup-compatibility/2006">
               <mc:Choice xmlns:v="urn:schemas-microsoft-com:vml" Requires="v">
-                <p:oleObj spid="_x0000_s138268" name="Equation" r:id="rId4" imgW="1384300" imgH="546100" progId="Equation.DSMT4">
+                <p:oleObj spid="_x0000_s138270" name="Equation" r:id="rId4" imgW="1384300" imgH="546100" progId="Equation.DSMT4">
                   <p:embed/>
                 </p:oleObj>
               </mc:Choice>
@@ -14866,7 +14502,7 @@
           <a:graphicData uri="http://schemas.openxmlformats.org/presentationml/2006/ole">
             <mc:AlternateContent xmlns:mc="http://schemas.openxmlformats.org/markup-compatibility/2006">
               <mc:Choice xmlns:v="urn:schemas-microsoft-com:vml" Requires="v">
-                <p:oleObj spid="_x0000_s132123" name="Equation" r:id="rId4" imgW="1028700" imgH="571500" progId="Equation.DSMT4">
+                <p:oleObj spid="_x0000_s132125" name="Equation" r:id="rId4" imgW="1028700" imgH="571500" progId="Equation.DSMT4">
                   <p:embed/>
                 </p:oleObj>
               </mc:Choice>
@@ -15255,7 +14891,7 @@
           <a:graphicData uri="http://schemas.openxmlformats.org/presentationml/2006/ole">
             <mc:AlternateContent xmlns:mc="http://schemas.openxmlformats.org/markup-compatibility/2006">
               <mc:Choice xmlns:v="urn:schemas-microsoft-com:vml" Requires="v">
-                <p:oleObj spid="_x0000_s141330" name="Equation" r:id="rId4" imgW="1955800" imgH="571500" progId="Equation.DSMT4">
+                <p:oleObj spid="_x0000_s141332" name="Equation" r:id="rId4" imgW="1955800" imgH="571500" progId="Equation.DSMT4">
                   <p:embed/>
                 </p:oleObj>
               </mc:Choice>
@@ -15499,7 +15135,7 @@
           <a:graphicData uri="http://schemas.openxmlformats.org/presentationml/2006/ole">
             <mc:AlternateContent xmlns:mc="http://schemas.openxmlformats.org/markup-compatibility/2006">
               <mc:Choice xmlns:v="urn:schemas-microsoft-com:vml" Requires="v">
-                <p:oleObj spid="_x0000_s133147" name="Equation" r:id="rId4" imgW="2082800" imgH="622300" progId="Equation.3">
+                <p:oleObj spid="_x0000_s133149" name="Equation" r:id="rId4" imgW="2082800" imgH="622300" progId="Equation.3">
                   <p:embed/>
                 </p:oleObj>
               </mc:Choice>
